--- a/Proyecto Chicharronera To Go.pptx
+++ b/Proyecto Chicharronera To Go.pptx
@@ -107,6 +107,11 @@
       </a:defRPr>
     </a:lvl9pPr>
   </p:defaultTextStyle>
+  <p:extLst>
+    <p:ext uri="{EFAFB233-063F-42B5-8137-9DF3F51BA10A}">
+      <p15:sldGuideLst xmlns:p15="http://schemas.microsoft.com/office/powerpoint/2012/main"/>
+    </p:ext>
+  </p:extLst>
 </p:presentation>
 </file>
 
@@ -280,7 +285,7 @@
           <a:p>
             <a:fld id="{C8DFECF2-30B2-4BB3-895A-495774306FB9}" type="datetimeFigureOut">
               <a:rPr lang="en-US" smtClean="0"/>
-              <a:t>10/13/2020</a:t>
+              <a:t>10/14/2020</a:t>
             </a:fld>
             <a:endParaRPr lang="en-US"/>
           </a:p>
@@ -547,7 +552,7 @@
           <a:p>
             <a:fld id="{C8DFECF2-30B2-4BB3-895A-495774306FB9}" type="datetimeFigureOut">
               <a:rPr lang="en-US" smtClean="0"/>
-              <a:t>10/13/2020</a:t>
+              <a:t>10/14/2020</a:t>
             </a:fld>
             <a:endParaRPr lang="en-US"/>
           </a:p>
@@ -778,7 +783,7 @@
           <a:p>
             <a:fld id="{C8DFECF2-30B2-4BB3-895A-495774306FB9}" type="datetimeFigureOut">
               <a:rPr lang="en-US" smtClean="0"/>
-              <a:t>10/13/2020</a:t>
+              <a:t>10/14/2020</a:t>
             </a:fld>
             <a:endParaRPr lang="en-US"/>
           </a:p>
@@ -1088,7 +1093,7 @@
           <a:p>
             <a:fld id="{C8DFECF2-30B2-4BB3-895A-495774306FB9}" type="datetimeFigureOut">
               <a:rPr lang="en-US" smtClean="0"/>
-              <a:t>10/13/2020</a:t>
+              <a:t>10/14/2020</a:t>
             </a:fld>
             <a:endParaRPr lang="en-US"/>
           </a:p>
@@ -1561,7 +1566,7 @@
           <a:p>
             <a:fld id="{C8DFECF2-30B2-4BB3-895A-495774306FB9}" type="datetimeFigureOut">
               <a:rPr lang="en-US" smtClean="0"/>
-              <a:t>10/13/2020</a:t>
+              <a:t>10/14/2020</a:t>
             </a:fld>
             <a:endParaRPr lang="en-US"/>
           </a:p>
@@ -2108,7 +2113,7 @@
           <a:p>
             <a:fld id="{C8DFECF2-30B2-4BB3-895A-495774306FB9}" type="datetimeFigureOut">
               <a:rPr lang="en-US" smtClean="0"/>
-              <a:t>10/13/2020</a:t>
+              <a:t>10/14/2020</a:t>
             </a:fld>
             <a:endParaRPr lang="en-US"/>
           </a:p>
@@ -2882,7 +2887,7 @@
           <a:p>
             <a:fld id="{C8DFECF2-30B2-4BB3-895A-495774306FB9}" type="datetimeFigureOut">
               <a:rPr lang="en-US" smtClean="0"/>
-              <a:t>10/13/2020</a:t>
+              <a:t>10/14/2020</a:t>
             </a:fld>
             <a:endParaRPr lang="en-US"/>
           </a:p>
@@ -3057,7 +3062,7 @@
           <a:p>
             <a:fld id="{C8DFECF2-30B2-4BB3-895A-495774306FB9}" type="datetimeFigureOut">
               <a:rPr lang="en-US" smtClean="0"/>
-              <a:t>10/13/2020</a:t>
+              <a:t>10/14/2020</a:t>
             </a:fld>
             <a:endParaRPr lang="en-US"/>
           </a:p>
@@ -3280,7 +3285,7 @@
           <a:p>
             <a:fld id="{C8DFECF2-30B2-4BB3-895A-495774306FB9}" type="datetimeFigureOut">
               <a:rPr lang="en-US" smtClean="0"/>
-              <a:t>10/13/2020</a:t>
+              <a:t>10/14/2020</a:t>
             </a:fld>
             <a:endParaRPr lang="en-US"/>
           </a:p>
@@ -3460,7 +3465,7 @@
           <a:p>
             <a:fld id="{C8DFECF2-30B2-4BB3-895A-495774306FB9}" type="datetimeFigureOut">
               <a:rPr lang="en-US" smtClean="0"/>
-              <a:t>10/13/2020</a:t>
+              <a:t>10/14/2020</a:t>
             </a:fld>
             <a:endParaRPr lang="en-US"/>
           </a:p>
@@ -3749,7 +3754,7 @@
           <a:p>
             <a:fld id="{C8DFECF2-30B2-4BB3-895A-495774306FB9}" type="datetimeFigureOut">
               <a:rPr lang="en-US" smtClean="0"/>
-              <a:t>10/13/2020</a:t>
+              <a:t>10/14/2020</a:t>
             </a:fld>
             <a:endParaRPr lang="en-US"/>
           </a:p>
@@ -3991,7 +3996,7 @@
           <a:p>
             <a:fld id="{C8DFECF2-30B2-4BB3-895A-495774306FB9}" type="datetimeFigureOut">
               <a:rPr lang="en-US" smtClean="0"/>
-              <a:t>10/13/2020</a:t>
+              <a:t>10/14/2020</a:t>
             </a:fld>
             <a:endParaRPr lang="en-US"/>
           </a:p>
@@ -4370,7 +4375,7 @@
           <a:p>
             <a:fld id="{C8DFECF2-30B2-4BB3-895A-495774306FB9}" type="datetimeFigureOut">
               <a:rPr lang="en-US" smtClean="0"/>
-              <a:t>10/13/2020</a:t>
+              <a:t>10/14/2020</a:t>
             </a:fld>
             <a:endParaRPr lang="en-US"/>
           </a:p>
@@ -4488,7 +4493,7 @@
           <a:p>
             <a:fld id="{C8DFECF2-30B2-4BB3-895A-495774306FB9}" type="datetimeFigureOut">
               <a:rPr lang="en-US" smtClean="0"/>
-              <a:t>10/13/2020</a:t>
+              <a:t>10/14/2020</a:t>
             </a:fld>
             <a:endParaRPr lang="en-US"/>
           </a:p>
@@ -4583,7 +4588,7 @@
           <a:p>
             <a:fld id="{C8DFECF2-30B2-4BB3-895A-495774306FB9}" type="datetimeFigureOut">
               <a:rPr lang="en-US" smtClean="0"/>
-              <a:t>10/13/2020</a:t>
+              <a:t>10/14/2020</a:t>
             </a:fld>
             <a:endParaRPr lang="en-US"/>
           </a:p>
@@ -4832,7 +4837,7 @@
           <a:p>
             <a:fld id="{C8DFECF2-30B2-4BB3-895A-495774306FB9}" type="datetimeFigureOut">
               <a:rPr lang="en-US" smtClean="0"/>
-              <a:t>10/13/2020</a:t>
+              <a:t>10/14/2020</a:t>
             </a:fld>
             <a:endParaRPr lang="en-US"/>
           </a:p>
@@ -5089,7 +5094,7 @@
           <a:p>
             <a:fld id="{C8DFECF2-30B2-4BB3-895A-495774306FB9}" type="datetimeFigureOut">
               <a:rPr lang="en-US" smtClean="0"/>
-              <a:t>10/13/2020</a:t>
+              <a:t>10/14/2020</a:t>
             </a:fld>
             <a:endParaRPr lang="en-US"/>
           </a:p>
@@ -5332,7 +5337,7 @@
           <a:p>
             <a:fld id="{C8DFECF2-30B2-4BB3-895A-495774306FB9}" type="datetimeFigureOut">
               <a:rPr lang="en-US" smtClean="0"/>
-              <a:t>10/13/2020</a:t>
+              <a:t>10/14/2020</a:t>
             </a:fld>
             <a:endParaRPr lang="en-US"/>
           </a:p>
@@ -6996,6 +7001,16 @@
             </a:r>
           </a:p>
           <a:p>
+            <a:pPr lvl="1"/>
+            <a:r>
+              <a:rPr lang="es-CR" sz="1800" dirty="0">
+                <a:hlinkClick r:id="rId2"/>
+              </a:rPr>
+              <a:t>https://github.com/pabsan/ProyectoChicharrones</a:t>
+            </a:r>
+            <a:endParaRPr lang="es-CR" sz="1800" dirty="0"/>
+          </a:p>
+          <a:p>
             <a:r>
               <a:rPr lang="es-CR" sz="2000" dirty="0"/>
               <a:t>Extracción de imágenes.</a:t>
@@ -7004,6 +7019,17 @@
           <a:p>
             <a:r>
               <a:rPr lang="es-CR" sz="2000" dirty="0"/>
+              <a:t>Bootstrap y </a:t>
+            </a:r>
+            <a:r>
+              <a:rPr lang="es-CR" sz="2000" dirty="0" err="1"/>
+              <a:t>Jquery</a:t>
+            </a:r>
+            <a:endParaRPr lang="es-CR" sz="2000" dirty="0"/>
+          </a:p>
+          <a:p>
+            <a:r>
+              <a:rPr lang="es-CR" sz="2000" dirty="0"/>
               <a:t>Solicitud de ingreso de otros productos fuera del restaurante como perfumes.</a:t>
             </a:r>
           </a:p>
@@ -7018,6 +7044,15 @@
               <a:rPr lang="es-CR" sz="2000" dirty="0"/>
               <a:t>Solicitud de ingreso de botones de redes en el inicio de la página.</a:t>
             </a:r>
+          </a:p>
+          <a:p>
+            <a:r>
+              <a:rPr lang="es-CR" sz="2000" dirty="0">
+                <a:hlinkClick r:id="rId3"/>
+              </a:rPr>
+              <a:t>http://chicharroneratogo.ga/</a:t>
+            </a:r>
+            <a:endParaRPr lang="es-CR" sz="2000" dirty="0"/>
           </a:p>
           <a:p>
             <a:endParaRPr lang="en-US" sz="2000" dirty="0"/>
@@ -7153,7 +7188,7 @@
           </p:nvPr>
         </p:nvPicPr>
         <p:blipFill rotWithShape="1">
-          <a:blip r:embed="rId2">
+          <a:blip r:embed="rId4">
             <a:extLst>
               <a:ext uri="{28A0092B-C50C-407E-A947-70E740481C1C}">
                 <a14:useLocalDpi xmlns:a14="http://schemas.microsoft.com/office/drawing/2010/main" val="0"/>
@@ -7203,21 +7238,18 @@
           <a:p>
             <a:pPr algn="l"/>
             <a:r>
-              <a:rPr lang="en-US" dirty="0" err="1">
+              <a:rPr lang="en-US">
                 <a:solidFill>
                   <a:srgbClr val="FFFFFF"/>
                 </a:solidFill>
               </a:rPr>
-              <a:t>Proceso</a:t>
-            </a:r>
-            <a:r>
-              <a:rPr lang="en-US" dirty="0">
-                <a:solidFill>
-                  <a:srgbClr val="FFFFFF"/>
-                </a:solidFill>
-              </a:rPr>
-              <a:t> de Desarrollo</a:t>
-            </a:r>
+              <a:t>Proceso de Desarrollo</a:t>
+            </a:r>
+            <a:endParaRPr lang="en-US" dirty="0">
+              <a:solidFill>
+                <a:srgbClr val="FFFFFF"/>
+              </a:solidFill>
+            </a:endParaRPr>
           </a:p>
         </p:txBody>
       </p:sp>
@@ -7236,7 +7268,7 @@
           <p:nvPr/>
         </p:nvPicPr>
         <p:blipFill>
-          <a:blip r:embed="rId3"/>
+          <a:blip r:embed="rId5"/>
           <a:stretch>
             <a:fillRect/>
           </a:stretch>
@@ -7290,7 +7322,7 @@
           <p:nvPr/>
         </p:nvPicPr>
         <p:blipFill>
-          <a:blip r:embed="rId4"/>
+          <a:blip r:embed="rId6"/>
           <a:stretch>
             <a:fillRect/>
           </a:stretch>
@@ -7331,10 +7363,10 @@
       </p:pic>
       <p:pic>
         <p:nvPicPr>
-          <p:cNvPr id="43" name="Picture 42">
+          <p:cNvPr id="4" name="Picture 3">
             <a:extLst>
               <a:ext uri="{FF2B5EF4-FFF2-40B4-BE49-F238E27FC236}">
-                <a16:creationId xmlns:a16="http://schemas.microsoft.com/office/drawing/2014/main" id="{4F1617D0-4DD2-4159-A042-C90884CDB445}"/>
+                <a16:creationId xmlns:a16="http://schemas.microsoft.com/office/drawing/2014/main" id="{359C9101-F6B7-4E1A-9885-9217246F5CA1}"/>
               </a:ext>
             </a:extLst>
           </p:cNvPr>
@@ -7344,31 +7376,118 @@
           <p:nvPr/>
         </p:nvPicPr>
         <p:blipFill>
-          <a:blip r:embed="rId5"/>
+          <a:blip r:embed="rId7"/>
           <a:stretch>
             <a:fillRect/>
           </a:stretch>
         </p:blipFill>
         <p:spPr>
           <a:xfrm>
-            <a:off x="8890855" y="4890453"/>
-            <a:ext cx="1168477" cy="977965"/>
-          </a:xfrm>
-          <a:prstGeom prst="roundRect">
-            <a:avLst>
-              <a:gd name="adj" fmla="val 8594"/>
-            </a:avLst>
+            <a:off x="10372411" y="4748637"/>
+            <a:ext cx="1241985" cy="1261595"/>
+          </a:xfrm>
+          <a:prstGeom prst="ellipse">
+            <a:avLst/>
           </a:prstGeom>
-          <a:solidFill>
-            <a:srgbClr val="FFFFFF">
-              <a:shade val="85000"/>
-            </a:srgbClr>
-          </a:solidFill>
+          <a:ln w="63500" cap="rnd">
+            <a:solidFill>
+              <a:srgbClr val="333333"/>
+            </a:solidFill>
+          </a:ln>
+          <a:effectLst>
+            <a:outerShdw blurRad="381000" dist="292100" dir="5400000" sx="-80000" sy="-18000" rotWithShape="0">
+              <a:srgbClr val="000000">
+                <a:alpha val="22000"/>
+              </a:srgbClr>
+            </a:outerShdw>
+          </a:effectLst>
+          <a:scene3d>
+            <a:camera prst="orthographicFront"/>
+            <a:lightRig rig="contrasting" dir="t">
+              <a:rot lat="0" lon="0" rev="3000000"/>
+            </a:lightRig>
+          </a:scene3d>
+          <a:sp3d contourW="7620">
+            <a:bevelT w="95250" h="31750"/>
+            <a:contourClr>
+              <a:srgbClr val="333333"/>
+            </a:contourClr>
+          </a:sp3d>
+        </p:spPr>
+      </p:pic>
+      <p:pic>
+        <p:nvPicPr>
+          <p:cNvPr id="5" name="Picture 4">
+            <a:extLst>
+              <a:ext uri="{FF2B5EF4-FFF2-40B4-BE49-F238E27FC236}">
+                <a16:creationId xmlns:a16="http://schemas.microsoft.com/office/drawing/2014/main" id="{1B7B4EDD-4CD4-4FEB-88C1-CD173605A4FA}"/>
+              </a:ext>
+            </a:extLst>
+          </p:cNvPr>
+          <p:cNvPicPr>
+            <a:picLocks noChangeAspect="1"/>
+          </p:cNvPicPr>
+          <p:nvPr/>
+        </p:nvPicPr>
+        <p:blipFill>
+          <a:blip r:embed="rId8"/>
+          <a:stretch>
+            <a:fillRect/>
+          </a:stretch>
+        </p:blipFill>
+        <p:spPr>
+          <a:xfrm>
+            <a:off x="8413156" y="4466827"/>
+            <a:ext cx="1790700" cy="733425"/>
+          </a:xfrm>
+          <a:prstGeom prst="rect">
+            <a:avLst/>
+          </a:prstGeom>
           <a:ln>
             <a:noFill/>
           </a:ln>
           <a:effectLst>
-            <a:reflection blurRad="12700" stA="38000" endPos="28000" dist="5000" dir="5400000" sy="-100000" algn="bl" rotWithShape="0"/>
+            <a:outerShdw blurRad="190500" algn="tl" rotWithShape="0">
+              <a:srgbClr val="000000">
+                <a:alpha val="70000"/>
+              </a:srgbClr>
+            </a:outerShdw>
+          </a:effectLst>
+        </p:spPr>
+      </p:pic>
+      <p:pic>
+        <p:nvPicPr>
+          <p:cNvPr id="6" name="Picture 5">
+            <a:extLst>
+              <a:ext uri="{FF2B5EF4-FFF2-40B4-BE49-F238E27FC236}">
+                <a16:creationId xmlns:a16="http://schemas.microsoft.com/office/drawing/2014/main" id="{B571CEDB-BC73-4361-A1DA-86156CBF2817}"/>
+              </a:ext>
+            </a:extLst>
+          </p:cNvPr>
+          <p:cNvPicPr>
+            <a:picLocks noChangeAspect="1"/>
+          </p:cNvPicPr>
+          <p:nvPr/>
+        </p:nvPicPr>
+        <p:blipFill>
+          <a:blip r:embed="rId9"/>
+          <a:stretch>
+            <a:fillRect/>
+          </a:stretch>
+        </p:blipFill>
+        <p:spPr>
+          <a:xfrm>
+            <a:off x="8763256" y="5361317"/>
+            <a:ext cx="1000577" cy="1054663"/>
+          </a:xfrm>
+          <a:prstGeom prst="ellipse">
+            <a:avLst/>
+          </a:prstGeom>
+          <a:ln>
+            <a:noFill/>
+          </a:ln>
+          <a:effectLst>
+            <a:softEdge rad="112500"/>
           </a:effectLst>
         </p:spPr>
       </p:pic>
